--- a/presentation.pptx
+++ b/presentation.pptx
@@ -25091,7 +25091,7 @@
         </p:blipFill>
         <p:spPr>
           <a:xfrm>
-            <a:off x="6273875" y="2707075"/>
+            <a:off x="6273875" y="2740095"/>
             <a:ext cx="5687425" cy="3875275"/>
           </a:xfrm>
           <a:prstGeom prst="rect">
@@ -25684,7 +25684,34 @@
               </a:rPr>
               <a:t>Лучший результат — ONNX runtime</a:t>
             </a:r>
-            <a:endParaRPr sz="2000">
+            <a:r>
+              <a:rPr lang="en-US" altLang="ru-RU" sz="2000">
+                <a:latin typeface="Trebuchet MS" panose="020B0603020202020204"/>
+                <a:ea typeface="Trebuchet MS" panose="020B0603020202020204"/>
+                <a:cs typeface="Trebuchet MS" panose="020B0603020202020204"/>
+                <a:sym typeface="Trebuchet MS" panose="020B0603020202020204"/>
+              </a:rPr>
+              <a:t> (</a:t>
+            </a:r>
+            <a:r>
+              <a:rPr lang="ru-RU" altLang="ru-RU" sz="2000">
+                <a:latin typeface="Trebuchet MS" panose="020B0603020202020204"/>
+                <a:ea typeface="Trebuchet MS" panose="020B0603020202020204"/>
+                <a:cs typeface="Trebuchet MS" panose="020B0603020202020204"/>
+                <a:sym typeface="Trebuchet MS" panose="020B0603020202020204"/>
+              </a:rPr>
+              <a:t>ускорение ещё на 62%</a:t>
+            </a:r>
+            <a:r>
+              <a:rPr lang="en-US" altLang="ru-RU" sz="2000">
+                <a:latin typeface="Trebuchet MS" panose="020B0603020202020204"/>
+                <a:ea typeface="Trebuchet MS" panose="020B0603020202020204"/>
+                <a:cs typeface="Trebuchet MS" panose="020B0603020202020204"/>
+                <a:sym typeface="Trebuchet MS" panose="020B0603020202020204"/>
+              </a:rPr>
+              <a:t>)</a:t>
+            </a:r>
+            <a:endParaRPr lang="en-US" altLang="ru-RU" sz="2000">
               <a:latin typeface="Trebuchet MS" panose="020B0603020202020204"/>
               <a:ea typeface="Trebuchet MS" panose="020B0603020202020204"/>
               <a:cs typeface="Trebuchet MS" panose="020B0603020202020204"/>
@@ -26531,7 +26558,7 @@
         </p:blipFill>
         <p:spPr>
           <a:xfrm>
-            <a:off x="2448662" y="3231575"/>
+            <a:off x="2448662" y="3256340"/>
             <a:ext cx="7294676" cy="3460442"/>
           </a:xfrm>
           <a:prstGeom prst="rect">
